--- a/FFPM/FFPM 701.pptx
+++ b/FFPM/FFPM 701.pptx
@@ -110,6 +110,22 @@
       </a:defRPr>
     </a:lvl9pPr>
   </p:defaultTextStyle>
+  <p:extLst>
+    <p:ext uri="{EFAFB233-063F-42B5-8137-9DF3F51BA10A}">
+      <p15:sldGuideLst xmlns:p15="http://schemas.microsoft.com/office/powerpoint/2012/main">
+        <p15:guide id="1" orient="horz" pos="1620">
+          <p15:clr>
+            <a:srgbClr val="A4A3A4"/>
+          </p15:clr>
+        </p15:guide>
+        <p15:guide id="2" pos="2880">
+          <p15:clr>
+            <a:srgbClr val="A4A3A4"/>
+          </p15:clr>
+        </p15:guide>
+      </p15:sldGuideLst>
+    </p:ext>
+  </p:extLst>
 </p:presentation>
 </file>
 
@@ -294,7 +310,7 @@
           <a:p>
             <a:fld id="{48171612-3119-423C-9CEA-8BFDCA42BED8}" type="datetimeFigureOut">
               <a:rPr lang="fr-FR" smtClean="0"/>
-              <a:t>24/10/2014</a:t>
+              <a:t>27/04/2025</a:t>
             </a:fld>
             <a:endParaRPr lang="fr-FR"/>
           </a:p>
@@ -459,7 +475,7 @@
           <a:p>
             <a:fld id="{48171612-3119-423C-9CEA-8BFDCA42BED8}" type="datetimeFigureOut">
               <a:rPr lang="fr-FR" smtClean="0"/>
-              <a:t>24/10/2014</a:t>
+              <a:t>27/04/2025</a:t>
             </a:fld>
             <a:endParaRPr lang="fr-FR"/>
           </a:p>
@@ -634,7 +650,7 @@
           <a:p>
             <a:fld id="{48171612-3119-423C-9CEA-8BFDCA42BED8}" type="datetimeFigureOut">
               <a:rPr lang="fr-FR" smtClean="0"/>
-              <a:t>24/10/2014</a:t>
+              <a:t>27/04/2025</a:t>
             </a:fld>
             <a:endParaRPr lang="fr-FR"/>
           </a:p>
@@ -799,7 +815,7 @@
           <a:p>
             <a:fld id="{48171612-3119-423C-9CEA-8BFDCA42BED8}" type="datetimeFigureOut">
               <a:rPr lang="fr-FR" smtClean="0"/>
-              <a:t>24/10/2014</a:t>
+              <a:t>27/04/2025</a:t>
             </a:fld>
             <a:endParaRPr lang="fr-FR"/>
           </a:p>
@@ -1040,7 +1056,7 @@
           <a:p>
             <a:fld id="{48171612-3119-423C-9CEA-8BFDCA42BED8}" type="datetimeFigureOut">
               <a:rPr lang="fr-FR" smtClean="0"/>
-              <a:t>24/10/2014</a:t>
+              <a:t>27/04/2025</a:t>
             </a:fld>
             <a:endParaRPr lang="fr-FR"/>
           </a:p>
@@ -1323,7 +1339,7 @@
           <a:p>
             <a:fld id="{48171612-3119-423C-9CEA-8BFDCA42BED8}" type="datetimeFigureOut">
               <a:rPr lang="fr-FR" smtClean="0"/>
-              <a:t>24/10/2014</a:t>
+              <a:t>27/04/2025</a:t>
             </a:fld>
             <a:endParaRPr lang="fr-FR"/>
           </a:p>
@@ -1740,7 +1756,7 @@
           <a:p>
             <a:fld id="{48171612-3119-423C-9CEA-8BFDCA42BED8}" type="datetimeFigureOut">
               <a:rPr lang="fr-FR" smtClean="0"/>
-              <a:t>24/10/2014</a:t>
+              <a:t>27/04/2025</a:t>
             </a:fld>
             <a:endParaRPr lang="fr-FR"/>
           </a:p>
@@ -1853,7 +1869,7 @@
           <a:p>
             <a:fld id="{48171612-3119-423C-9CEA-8BFDCA42BED8}" type="datetimeFigureOut">
               <a:rPr lang="fr-FR" smtClean="0"/>
-              <a:t>24/10/2014</a:t>
+              <a:t>27/04/2025</a:t>
             </a:fld>
             <a:endParaRPr lang="fr-FR"/>
           </a:p>
@@ -1943,7 +1959,7 @@
           <a:p>
             <a:fld id="{48171612-3119-423C-9CEA-8BFDCA42BED8}" type="datetimeFigureOut">
               <a:rPr lang="fr-FR" smtClean="0"/>
-              <a:t>24/10/2014</a:t>
+              <a:t>27/04/2025</a:t>
             </a:fld>
             <a:endParaRPr lang="fr-FR"/>
           </a:p>
@@ -2215,7 +2231,7 @@
           <a:p>
             <a:fld id="{48171612-3119-423C-9CEA-8BFDCA42BED8}" type="datetimeFigureOut">
               <a:rPr lang="fr-FR" smtClean="0"/>
-              <a:t>24/10/2014</a:t>
+              <a:t>27/04/2025</a:t>
             </a:fld>
             <a:endParaRPr lang="fr-FR"/>
           </a:p>
@@ -2463,7 +2479,7 @@
           <a:p>
             <a:fld id="{48171612-3119-423C-9CEA-8BFDCA42BED8}" type="datetimeFigureOut">
               <a:rPr lang="fr-FR" smtClean="0"/>
-              <a:t>24/10/2014</a:t>
+              <a:t>27/04/2025</a:t>
             </a:fld>
             <a:endParaRPr lang="fr-FR"/>
           </a:p>
@@ -2676,7 +2692,7 @@
           <a:p>
             <a:fld id="{48171612-3119-423C-9CEA-8BFDCA42BED8}" type="datetimeFigureOut">
               <a:rPr lang="fr-FR" smtClean="0"/>
-              <a:t>24/10/2014</a:t>
+              <a:t>27/04/2025</a:t>
             </a:fld>
             <a:endParaRPr lang="fr-FR"/>
           </a:p>
@@ -3159,7 +3175,7 @@
           <a:lstStyle/>
           <a:p>
             <a:r>
-              <a:rPr lang="en-GB" sz="6000" b="1" dirty="0" smtClean="0">
+              <a:rPr lang="en-GB" sz="4800" b="1" dirty="0" smtClean="0">
                 <a:solidFill>
                   <a:srgbClr val="FF0000"/>
                 </a:solidFill>
@@ -3167,146 +3183,162 @@
               <a:t>1) </a:t>
             </a:r>
             <a:r>
-              <a:rPr lang="en-GB" sz="6000" b="1" dirty="0" err="1"/>
+              <a:rPr lang="en-GB" sz="4800" b="1" dirty="0" err="1"/>
               <a:t>Ny</a:t>
             </a:r>
             <a:r>
-              <a:rPr lang="en-GB" sz="6000" b="1" dirty="0"/>
-              <a:t> </a:t>
-            </a:r>
-            <a:r>
-              <a:rPr lang="en-GB" sz="6000" b="1" dirty="0" err="1"/>
+              <a:rPr lang="en-GB" sz="4800" b="1" dirty="0"/>
+              <a:t> </a:t>
+            </a:r>
+            <a:r>
+              <a:rPr lang="en-GB" sz="4800" b="1" dirty="0" err="1"/>
               <a:t>hiran’ny</a:t>
             </a:r>
             <a:r>
-              <a:rPr lang="en-GB" sz="6000" b="1" dirty="0"/>
+              <a:rPr lang="en-GB" sz="4800" b="1" dirty="0"/>
               <a:t>  </a:t>
             </a:r>
             <a:r>
-              <a:rPr lang="en-GB" sz="6000" b="1" dirty="0" err="1"/>
+              <a:rPr lang="en-GB" sz="4800" b="1" dirty="0" err="1"/>
               <a:t>lanitra</a:t>
             </a:r>
             <a:r>
-              <a:rPr lang="fr-FR" sz="6000" b="1" dirty="0"/>
+              <a:rPr lang="fr-FR" sz="4800" b="1" dirty="0"/>
               <a:t/>
             </a:r>
             <a:br>
-              <a:rPr lang="fr-FR" sz="6000" b="1" dirty="0"/>
+              <a:rPr lang="fr-FR" sz="4800" b="1" dirty="0"/>
             </a:br>
             <a:r>
-              <a:rPr lang="en-GB" sz="6000" b="1" dirty="0" err="1" smtClean="0"/>
+              <a:rPr lang="en-GB" sz="4800" b="1" dirty="0" err="1" smtClean="0"/>
               <a:t>Tsara</a:t>
             </a:r>
             <a:r>
-              <a:rPr lang="en-GB" sz="6000" b="1" dirty="0" smtClean="0"/>
-              <a:t> </a:t>
-            </a:r>
-            <a:r>
-              <a:rPr lang="en-GB" sz="6000" b="1" dirty="0" err="1"/>
+              <a:rPr lang="en-GB" sz="4800" b="1" dirty="0" smtClean="0"/>
+              <a:t> </a:t>
+            </a:r>
+            <a:r>
+              <a:rPr lang="en-GB" sz="4800" b="1" dirty="0" err="1"/>
               <a:t>tokoa</a:t>
             </a:r>
             <a:r>
-              <a:rPr lang="fr-FR" sz="6000" b="1" dirty="0"/>
+              <a:rPr lang="fr-FR" sz="4800" b="1" dirty="0"/>
               <a:t/>
             </a:r>
             <a:br>
-              <a:rPr lang="fr-FR" sz="6000" b="1" dirty="0"/>
+              <a:rPr lang="fr-FR" sz="4800" b="1" dirty="0"/>
             </a:br>
             <a:r>
-              <a:rPr lang="en-GB" sz="6000" b="1" dirty="0" err="1" smtClean="0"/>
+              <a:rPr lang="en-GB" sz="4800" b="1" dirty="0" err="1" smtClean="0"/>
               <a:t>Sy</a:t>
             </a:r>
             <a:r>
-              <a:rPr lang="en-GB" sz="6000" b="1" dirty="0" smtClean="0"/>
-              <a:t> </a:t>
-            </a:r>
-            <a:r>
-              <a:rPr lang="en-GB" sz="6000" b="1" dirty="0" err="1"/>
+              <a:rPr lang="en-GB" sz="4800" b="1" dirty="0" smtClean="0"/>
+              <a:t> </a:t>
+            </a:r>
+            <a:r>
+              <a:rPr lang="en-GB" sz="4800" b="1" dirty="0" err="1"/>
               <a:t>mahafinaritra</a:t>
             </a:r>
             <a:r>
-              <a:rPr lang="en-GB" sz="6000" b="1" dirty="0"/>
+              <a:rPr lang="en-GB" sz="4800" b="1" dirty="0"/>
               <a:t>, re !</a:t>
             </a:r>
             <a:r>
-              <a:rPr lang="fr-FR" sz="6000" b="1" dirty="0"/>
+              <a:rPr lang="fr-FR" sz="4800" b="1" dirty="0"/>
               <a:t/>
             </a:r>
             <a:br>
-              <a:rPr lang="fr-FR" sz="6000" b="1" dirty="0"/>
+              <a:rPr lang="fr-FR" sz="4800" b="1" dirty="0"/>
             </a:br>
             <a:r>
-              <a:rPr lang="en-GB" sz="6000" b="1" dirty="0" err="1" smtClean="0"/>
+              <a:rPr lang="en-GB" sz="4800" b="1" dirty="0" err="1" smtClean="0"/>
               <a:t>Henoy</a:t>
             </a:r>
             <a:r>
-              <a:rPr lang="en-GB" sz="6000" b="1" dirty="0" smtClean="0"/>
-              <a:t> </a:t>
-            </a:r>
-            <a:r>
-              <a:rPr lang="en-GB" sz="6000" b="1" i="1" dirty="0" err="1"/>
+              <a:rPr lang="en-GB" sz="4800" b="1" dirty="0" smtClean="0"/>
+              <a:t> </a:t>
+            </a:r>
+            <a:r>
+              <a:rPr lang="en-GB" sz="4800" b="1" i="1" dirty="0" err="1"/>
               <a:t>i</a:t>
             </a:r>
             <a:r>
-              <a:rPr lang="en-GB" sz="6000" b="1" dirty="0" err="1"/>
+              <a:rPr lang="en-GB" sz="4800" b="1" dirty="0" err="1"/>
               <a:t>zany</a:t>
             </a:r>
             <a:r>
-              <a:rPr lang="en-GB" sz="6000" b="1" dirty="0"/>
-              <a:t> </a:t>
-            </a:r>
-            <a:r>
-              <a:rPr lang="en-GB" sz="6000" b="1" dirty="0" err="1"/>
+              <a:rPr lang="en-GB" sz="4800" b="1" dirty="0"/>
+              <a:t> </a:t>
+            </a:r>
+            <a:r>
+              <a:rPr lang="en-GB" sz="4800" b="1" dirty="0" err="1" smtClean="0"/>
               <a:t>feon’ny</a:t>
             </a:r>
             <a:r>
-              <a:rPr lang="fr-FR" sz="6000" b="1" dirty="0"/>
+              <a:rPr lang="en-GB" sz="4800" b="1" dirty="0" smtClean="0"/>
+              <a:t> </a:t>
+            </a:r>
+            <a:r>
+              <a:rPr lang="en-GB" sz="4800" b="1" dirty="0" err="1" smtClean="0"/>
+              <a:t>olona</a:t>
+            </a:r>
+            <a:r>
+              <a:rPr lang="en-GB" sz="4800" b="1" dirty="0" smtClean="0"/>
+              <a:t> </a:t>
+            </a:r>
+            <a:r>
+              <a:rPr lang="en-GB" sz="4800" b="1" dirty="0" err="1" smtClean="0"/>
+              <a:t>maro</a:t>
+            </a:r>
+            <a:r>
+              <a:rPr lang="fr-FR" sz="4800" b="1" dirty="0"/>
               <a:t/>
             </a:r>
             <a:br>
-              <a:rPr lang="fr-FR" sz="6000" b="1" dirty="0"/>
+              <a:rPr lang="fr-FR" sz="4800" b="1" dirty="0"/>
             </a:br>
             <a:r>
-              <a:rPr lang="en-GB" sz="6000" b="1" i="1" dirty="0" err="1" smtClean="0"/>
+              <a:rPr lang="en-GB" sz="4800" b="1" i="1" dirty="0" err="1" smtClean="0"/>
               <a:t>i</a:t>
             </a:r>
             <a:r>
-              <a:rPr lang="en-GB" sz="6000" b="1" dirty="0" err="1" smtClean="0"/>
+              <a:rPr lang="en-GB" sz="4800" b="1" dirty="0" err="1" smtClean="0"/>
               <a:t>zay</a:t>
             </a:r>
             <a:r>
-              <a:rPr lang="en-GB" sz="6000" b="1" dirty="0" smtClean="0"/>
-              <a:t> </a:t>
-            </a:r>
-            <a:r>
-              <a:rPr lang="en-GB" sz="6000" b="1" dirty="0" err="1"/>
+              <a:rPr lang="en-GB" sz="4800" b="1" dirty="0" smtClean="0"/>
+              <a:t> </a:t>
+            </a:r>
+            <a:r>
+              <a:rPr lang="en-GB" sz="4800" b="1" dirty="0" err="1"/>
               <a:t>faly</a:t>
             </a:r>
             <a:r>
-              <a:rPr lang="en-GB" sz="6000" b="1" dirty="0"/>
-              <a:t> </a:t>
-            </a:r>
-            <a:r>
-              <a:rPr lang="en-GB" sz="6000" b="1" dirty="0" err="1"/>
+              <a:rPr lang="en-GB" sz="4800" b="1" dirty="0"/>
+              <a:t> </a:t>
+            </a:r>
+            <a:r>
+              <a:rPr lang="en-GB" sz="4800" b="1" dirty="0" err="1"/>
               <a:t>tokoa</a:t>
             </a:r>
             <a:r>
-              <a:rPr lang="en-GB" sz="6000" b="1" dirty="0"/>
-              <a:t> </a:t>
-            </a:r>
-            <a:r>
-              <a:rPr lang="en-GB" sz="6000" b="1" dirty="0" err="1"/>
+              <a:rPr lang="en-GB" sz="4800" b="1" dirty="0"/>
+              <a:t> </a:t>
+            </a:r>
+            <a:r>
+              <a:rPr lang="en-GB" sz="4800" b="1" dirty="0" err="1"/>
               <a:t>mihira</a:t>
             </a:r>
             <a:r>
-              <a:rPr lang="en-GB" sz="6000" b="1" dirty="0"/>
+              <a:rPr lang="en-GB" sz="4800" b="1" dirty="0"/>
               <a:t> hoe </a:t>
             </a:r>
             <a:r>
-              <a:rPr lang="en-GB" sz="6000" b="1" dirty="0" smtClean="0"/>
+              <a:rPr lang="en-GB" sz="4800" b="1" dirty="0" smtClean="0"/>
               <a:t>:</a:t>
             </a:r>
-            <a:endParaRPr lang="fr-FR" sz="6000" b="1" dirty="0"/>
+            <a:endParaRPr lang="fr-FR" sz="4800" b="1" dirty="0"/>
           </a:p>
         </p:txBody>
       </p:sp>
